--- a/notes/note.pptx
+++ b/notes/note.pptx
@@ -6,6 +6,8 @@
   </p:sldMasterIdLst>
   <p:sldIdLst>
     <p:sldId id="256" r:id="rId2"/>
+    <p:sldId id="257" r:id="rId3"/>
+    <p:sldId id="258" r:id="rId4"/>
   </p:sldIdLst>
   <p:sldSz cx="12192000" cy="6858000"/>
   <p:notesSz cx="6858000" cy="9144000"/>
@@ -104,6 +106,11 @@
       </a:defRPr>
     </a:lvl9pPr>
   </p:defaultTextStyle>
+  <p:extLst>
+    <p:ext uri="{EFAFB233-063F-42B5-8137-9DF3F51BA10A}">
+      <p15:sldGuideLst xmlns:p15="http://schemas.microsoft.com/office/powerpoint/2012/main"/>
+    </p:ext>
+  </p:extLst>
 </p:presentation>
 </file>
 
@@ -254,7 +261,7 @@
           <a:p>
             <a:fld id="{B4C3A7DE-A40C-47FE-9CF4-C74149845C6C}" type="datetimeFigureOut">
               <a:rPr lang="zh-CN" altLang="en-US" smtClean="0"/>
-              <a:t>2024/8/3</a:t>
+              <a:t>2024/12/13</a:t>
             </a:fld>
             <a:endParaRPr lang="zh-CN" altLang="en-US"/>
           </a:p>
@@ -452,7 +459,7 @@
           <a:p>
             <a:fld id="{B4C3A7DE-A40C-47FE-9CF4-C74149845C6C}" type="datetimeFigureOut">
               <a:rPr lang="zh-CN" altLang="en-US" smtClean="0"/>
-              <a:t>2024/8/3</a:t>
+              <a:t>2024/12/13</a:t>
             </a:fld>
             <a:endParaRPr lang="zh-CN" altLang="en-US"/>
           </a:p>
@@ -660,7 +667,7 @@
           <a:p>
             <a:fld id="{B4C3A7DE-A40C-47FE-9CF4-C74149845C6C}" type="datetimeFigureOut">
               <a:rPr lang="zh-CN" altLang="en-US" smtClean="0"/>
-              <a:t>2024/8/3</a:t>
+              <a:t>2024/12/13</a:t>
             </a:fld>
             <a:endParaRPr lang="zh-CN" altLang="en-US"/>
           </a:p>
@@ -858,7 +865,7 @@
           <a:p>
             <a:fld id="{B4C3A7DE-A40C-47FE-9CF4-C74149845C6C}" type="datetimeFigureOut">
               <a:rPr lang="zh-CN" altLang="en-US" smtClean="0"/>
-              <a:t>2024/8/3</a:t>
+              <a:t>2024/12/13</a:t>
             </a:fld>
             <a:endParaRPr lang="zh-CN" altLang="en-US"/>
           </a:p>
@@ -1133,7 +1140,7 @@
           <a:p>
             <a:fld id="{B4C3A7DE-A40C-47FE-9CF4-C74149845C6C}" type="datetimeFigureOut">
               <a:rPr lang="zh-CN" altLang="en-US" smtClean="0"/>
-              <a:t>2024/8/3</a:t>
+              <a:t>2024/12/13</a:t>
             </a:fld>
             <a:endParaRPr lang="zh-CN" altLang="en-US"/>
           </a:p>
@@ -1398,7 +1405,7 @@
           <a:p>
             <a:fld id="{B4C3A7DE-A40C-47FE-9CF4-C74149845C6C}" type="datetimeFigureOut">
               <a:rPr lang="zh-CN" altLang="en-US" smtClean="0"/>
-              <a:t>2024/8/3</a:t>
+              <a:t>2024/12/13</a:t>
             </a:fld>
             <a:endParaRPr lang="zh-CN" altLang="en-US"/>
           </a:p>
@@ -1810,7 +1817,7 @@
           <a:p>
             <a:fld id="{B4C3A7DE-A40C-47FE-9CF4-C74149845C6C}" type="datetimeFigureOut">
               <a:rPr lang="zh-CN" altLang="en-US" smtClean="0"/>
-              <a:t>2024/8/3</a:t>
+              <a:t>2024/12/13</a:t>
             </a:fld>
             <a:endParaRPr lang="zh-CN" altLang="en-US"/>
           </a:p>
@@ -1951,7 +1958,7 @@
           <a:p>
             <a:fld id="{B4C3A7DE-A40C-47FE-9CF4-C74149845C6C}" type="datetimeFigureOut">
               <a:rPr lang="zh-CN" altLang="en-US" smtClean="0"/>
-              <a:t>2024/8/3</a:t>
+              <a:t>2024/12/13</a:t>
             </a:fld>
             <a:endParaRPr lang="zh-CN" altLang="en-US"/>
           </a:p>
@@ -2064,7 +2071,7 @@
           <a:p>
             <a:fld id="{B4C3A7DE-A40C-47FE-9CF4-C74149845C6C}" type="datetimeFigureOut">
               <a:rPr lang="zh-CN" altLang="en-US" smtClean="0"/>
-              <a:t>2024/8/3</a:t>
+              <a:t>2024/12/13</a:t>
             </a:fld>
             <a:endParaRPr lang="zh-CN" altLang="en-US"/>
           </a:p>
@@ -2375,7 +2382,7 @@
           <a:p>
             <a:fld id="{B4C3A7DE-A40C-47FE-9CF4-C74149845C6C}" type="datetimeFigureOut">
               <a:rPr lang="zh-CN" altLang="en-US" smtClean="0"/>
-              <a:t>2024/8/3</a:t>
+              <a:t>2024/12/13</a:t>
             </a:fld>
             <a:endParaRPr lang="zh-CN" altLang="en-US"/>
           </a:p>
@@ -2663,7 +2670,7 @@
           <a:p>
             <a:fld id="{B4C3A7DE-A40C-47FE-9CF4-C74149845C6C}" type="datetimeFigureOut">
               <a:rPr lang="zh-CN" altLang="en-US" smtClean="0"/>
-              <a:t>2024/8/3</a:t>
+              <a:t>2024/12/13</a:t>
             </a:fld>
             <a:endParaRPr lang="zh-CN" altLang="en-US"/>
           </a:p>
@@ -2904,7 +2911,7 @@
           <a:p>
             <a:fld id="{B4C3A7DE-A40C-47FE-9CF4-C74149845C6C}" type="datetimeFigureOut">
               <a:rPr lang="zh-CN" altLang="en-US" smtClean="0"/>
-              <a:t>2024/8/3</a:t>
+              <a:t>2024/12/13</a:t>
             </a:fld>
             <a:endParaRPr lang="zh-CN" altLang="en-US"/>
           </a:p>
@@ -3590,6 +3597,860 @@
 </p:sld>
 </file>
 
+<file path=ppt/slides/slide2.xml><?xml version="1.0" encoding="utf-8"?>
+<p:sld xmlns:a="http://schemas.openxmlformats.org/drawingml/2006/main" xmlns:r="http://schemas.openxmlformats.org/officeDocument/2006/relationships" xmlns:p="http://schemas.openxmlformats.org/presentationml/2006/main">
+  <p:cSld>
+    <p:spTree>
+      <p:nvGrpSpPr>
+        <p:cNvPr id="1" name=""/>
+        <p:cNvGrpSpPr/>
+        <p:nvPr/>
+      </p:nvGrpSpPr>
+      <p:grpSpPr>
+        <a:xfrm>
+          <a:off x="0" y="0"/>
+          <a:ext cx="0" cy="0"/>
+          <a:chOff x="0" y="0"/>
+          <a:chExt cx="0" cy="0"/>
+        </a:xfrm>
+      </p:grpSpPr>
+      <p:sp>
+        <p:nvSpPr>
+          <p:cNvPr id="4" name="椭圆 3">
+            <a:extLst>
+              <a:ext uri="{FF2B5EF4-FFF2-40B4-BE49-F238E27FC236}">
+                <a16:creationId xmlns:a16="http://schemas.microsoft.com/office/drawing/2014/main" id="{74A9A2DA-DB6F-C295-A59B-A512B29FC5B1}"/>
+              </a:ext>
+            </a:extLst>
+          </p:cNvPr>
+          <p:cNvSpPr/>
+          <p:nvPr/>
+        </p:nvSpPr>
+        <p:spPr>
+          <a:xfrm>
+            <a:off x="4962698" y="1529542"/>
+            <a:ext cx="673331" cy="3599411"/>
+          </a:xfrm>
+          <a:prstGeom prst="ellipse">
+            <a:avLst/>
+          </a:prstGeom>
+          <a:gradFill>
+            <a:gsLst>
+              <a:gs pos="0">
+                <a:schemeClr val="accent1">
+                  <a:lumMod val="5000"/>
+                  <a:lumOff val="95000"/>
+                </a:schemeClr>
+              </a:gs>
+              <a:gs pos="74000">
+                <a:schemeClr val="accent1">
+                  <a:lumMod val="45000"/>
+                  <a:lumOff val="55000"/>
+                </a:schemeClr>
+              </a:gs>
+              <a:gs pos="83000">
+                <a:schemeClr val="accent1">
+                  <a:lumMod val="45000"/>
+                  <a:lumOff val="55000"/>
+                </a:schemeClr>
+              </a:gs>
+              <a:gs pos="100000">
+                <a:schemeClr val="accent1">
+                  <a:lumMod val="30000"/>
+                  <a:lumOff val="70000"/>
+                </a:schemeClr>
+              </a:gs>
+            </a:gsLst>
+            <a:lin ang="5400000" scaled="1"/>
+          </a:gradFill>
+        </p:spPr>
+        <p:style>
+          <a:lnRef idx="2">
+            <a:schemeClr val="accent1">
+              <a:shade val="15000"/>
+            </a:schemeClr>
+          </a:lnRef>
+          <a:fillRef idx="1">
+            <a:schemeClr val="accent1"/>
+          </a:fillRef>
+          <a:effectRef idx="0">
+            <a:schemeClr val="accent1"/>
+          </a:effectRef>
+          <a:fontRef idx="minor">
+            <a:schemeClr val="lt1"/>
+          </a:fontRef>
+        </p:style>
+        <p:txBody>
+          <a:bodyPr rtlCol="0" anchor="ctr"/>
+          <a:lstStyle/>
+          <a:p>
+            <a:pPr algn="ctr"/>
+            <a:endParaRPr lang="zh-CN" altLang="en-US"/>
+          </a:p>
+        </p:txBody>
+      </p:sp>
+      <p:cxnSp>
+        <p:nvCxnSpPr>
+          <p:cNvPr id="6" name="直接连接符 5">
+            <a:extLst>
+              <a:ext uri="{FF2B5EF4-FFF2-40B4-BE49-F238E27FC236}">
+                <a16:creationId xmlns:a16="http://schemas.microsoft.com/office/drawing/2014/main" id="{03A57207-CE75-34C0-887F-13F114486133}"/>
+              </a:ext>
+            </a:extLst>
+          </p:cNvPr>
+          <p:cNvCxnSpPr/>
+          <p:nvPr/>
+        </p:nvCxnSpPr>
+        <p:spPr>
+          <a:xfrm>
+            <a:off x="1182255" y="1708727"/>
+            <a:ext cx="0" cy="3420226"/>
+          </a:xfrm>
+          <a:prstGeom prst="line">
+            <a:avLst/>
+          </a:prstGeom>
+        </p:spPr>
+        <p:style>
+          <a:lnRef idx="1">
+            <a:schemeClr val="accent1"/>
+          </a:lnRef>
+          <a:fillRef idx="0">
+            <a:schemeClr val="accent1"/>
+          </a:fillRef>
+          <a:effectRef idx="0">
+            <a:schemeClr val="accent1"/>
+          </a:effectRef>
+          <a:fontRef idx="minor">
+            <a:schemeClr val="tx1"/>
+          </a:fontRef>
+        </p:style>
+      </p:cxnSp>
+      <p:cxnSp>
+        <p:nvCxnSpPr>
+          <p:cNvPr id="7" name="直接连接符 6">
+            <a:extLst>
+              <a:ext uri="{FF2B5EF4-FFF2-40B4-BE49-F238E27FC236}">
+                <a16:creationId xmlns:a16="http://schemas.microsoft.com/office/drawing/2014/main" id="{9E28D29F-E0D4-88D5-3AD1-AFA8D2604CC4}"/>
+              </a:ext>
+            </a:extLst>
+          </p:cNvPr>
+          <p:cNvCxnSpPr/>
+          <p:nvPr/>
+        </p:nvCxnSpPr>
+        <p:spPr>
+          <a:xfrm>
+            <a:off x="9628910" y="1789545"/>
+            <a:ext cx="0" cy="3420226"/>
+          </a:xfrm>
+          <a:prstGeom prst="line">
+            <a:avLst/>
+          </a:prstGeom>
+        </p:spPr>
+        <p:style>
+          <a:lnRef idx="1">
+            <a:schemeClr val="accent1"/>
+          </a:lnRef>
+          <a:fillRef idx="0">
+            <a:schemeClr val="accent1"/>
+          </a:fillRef>
+          <a:effectRef idx="0">
+            <a:schemeClr val="accent1"/>
+          </a:effectRef>
+          <a:fontRef idx="minor">
+            <a:schemeClr val="tx1"/>
+          </a:fontRef>
+        </p:style>
+      </p:cxnSp>
+      <p:sp>
+        <p:nvSpPr>
+          <p:cNvPr id="8" name="椭圆 7">
+            <a:extLst>
+              <a:ext uri="{FF2B5EF4-FFF2-40B4-BE49-F238E27FC236}">
+                <a16:creationId xmlns:a16="http://schemas.microsoft.com/office/drawing/2014/main" id="{89D5B56A-1ACD-3510-859C-4DF927EFC89E}"/>
+              </a:ext>
+            </a:extLst>
+          </p:cNvPr>
+          <p:cNvSpPr/>
+          <p:nvPr/>
+        </p:nvSpPr>
+        <p:spPr>
+          <a:xfrm>
+            <a:off x="1089891" y="3429000"/>
+            <a:ext cx="157017" cy="182418"/>
+          </a:xfrm>
+          <a:prstGeom prst="ellipse">
+            <a:avLst/>
+          </a:prstGeom>
+        </p:spPr>
+        <p:style>
+          <a:lnRef idx="2">
+            <a:schemeClr val="accent1">
+              <a:shade val="15000"/>
+            </a:schemeClr>
+          </a:lnRef>
+          <a:fillRef idx="1">
+            <a:schemeClr val="accent1"/>
+          </a:fillRef>
+          <a:effectRef idx="0">
+            <a:schemeClr val="accent1"/>
+          </a:effectRef>
+          <a:fontRef idx="minor">
+            <a:schemeClr val="lt1"/>
+          </a:fontRef>
+        </p:style>
+        <p:txBody>
+          <a:bodyPr rtlCol="0" anchor="ctr"/>
+          <a:lstStyle/>
+          <a:p>
+            <a:pPr algn="ctr"/>
+            <a:endParaRPr lang="zh-CN" altLang="en-US"/>
+          </a:p>
+        </p:txBody>
+      </p:sp>
+      <p:sp>
+        <p:nvSpPr>
+          <p:cNvPr id="9" name="文本框 8">
+            <a:extLst>
+              <a:ext uri="{FF2B5EF4-FFF2-40B4-BE49-F238E27FC236}">
+                <a16:creationId xmlns:a16="http://schemas.microsoft.com/office/drawing/2014/main" id="{A7F8C208-6E26-0BC4-0623-1D763587A7AA}"/>
+              </a:ext>
+            </a:extLst>
+          </p:cNvPr>
+          <p:cNvSpPr txBox="1"/>
+          <p:nvPr/>
+        </p:nvSpPr>
+        <p:spPr>
+          <a:xfrm>
+            <a:off x="914186" y="1187798"/>
+            <a:ext cx="646331" cy="369332"/>
+          </a:xfrm>
+          <a:prstGeom prst="rect">
+            <a:avLst/>
+          </a:prstGeom>
+          <a:noFill/>
+        </p:spPr>
+        <p:txBody>
+          <a:bodyPr wrap="none" rtlCol="0">
+            <a:spAutoFit/>
+          </a:bodyPr>
+          <a:lstStyle/>
+          <a:p>
+            <a:r>
+              <a:rPr lang="zh-CN" altLang="en-US"/>
+              <a:t>底片</a:t>
+            </a:r>
+          </a:p>
+        </p:txBody>
+      </p:sp>
+      <p:sp>
+        <p:nvSpPr>
+          <p:cNvPr id="10" name="文本框 9">
+            <a:extLst>
+              <a:ext uri="{FF2B5EF4-FFF2-40B4-BE49-F238E27FC236}">
+                <a16:creationId xmlns:a16="http://schemas.microsoft.com/office/drawing/2014/main" id="{143AFA4D-9DC7-7128-3318-F30E763EA999}"/>
+              </a:ext>
+            </a:extLst>
+          </p:cNvPr>
+          <p:cNvSpPr txBox="1"/>
+          <p:nvPr/>
+        </p:nvSpPr>
+        <p:spPr>
+          <a:xfrm>
+            <a:off x="8862292" y="1278897"/>
+            <a:ext cx="1800493" cy="369332"/>
+          </a:xfrm>
+          <a:prstGeom prst="rect">
+            <a:avLst/>
+          </a:prstGeom>
+          <a:noFill/>
+        </p:spPr>
+        <p:txBody>
+          <a:bodyPr wrap="none" rtlCol="0">
+            <a:spAutoFit/>
+          </a:bodyPr>
+          <a:lstStyle/>
+          <a:p>
+            <a:r>
+              <a:rPr lang="zh-CN" altLang="en-US"/>
+              <a:t>完美聚焦的平面</a:t>
+            </a:r>
+          </a:p>
+        </p:txBody>
+      </p:sp>
+      <p:sp>
+        <p:nvSpPr>
+          <p:cNvPr id="11" name="椭圆 10">
+            <a:extLst>
+              <a:ext uri="{FF2B5EF4-FFF2-40B4-BE49-F238E27FC236}">
+                <a16:creationId xmlns:a16="http://schemas.microsoft.com/office/drawing/2014/main" id="{C97F62CF-6B21-3E5C-C159-0CD31F02F9E9}"/>
+              </a:ext>
+            </a:extLst>
+          </p:cNvPr>
+          <p:cNvSpPr/>
+          <p:nvPr/>
+        </p:nvSpPr>
+        <p:spPr>
+          <a:xfrm>
+            <a:off x="9550401" y="3236422"/>
+            <a:ext cx="157017" cy="182418"/>
+          </a:xfrm>
+          <a:prstGeom prst="ellipse">
+            <a:avLst/>
+          </a:prstGeom>
+        </p:spPr>
+        <p:style>
+          <a:lnRef idx="2">
+            <a:schemeClr val="accent1">
+              <a:shade val="15000"/>
+            </a:schemeClr>
+          </a:lnRef>
+          <a:fillRef idx="1">
+            <a:schemeClr val="accent1"/>
+          </a:fillRef>
+          <a:effectRef idx="0">
+            <a:schemeClr val="accent1"/>
+          </a:effectRef>
+          <a:fontRef idx="minor">
+            <a:schemeClr val="lt1"/>
+          </a:fontRef>
+        </p:style>
+        <p:txBody>
+          <a:bodyPr rtlCol="0" anchor="ctr"/>
+          <a:lstStyle/>
+          <a:p>
+            <a:pPr algn="ctr"/>
+            <a:endParaRPr lang="zh-CN" altLang="en-US"/>
+          </a:p>
+        </p:txBody>
+      </p:sp>
+      <p:cxnSp>
+        <p:nvCxnSpPr>
+          <p:cNvPr id="13" name="直接箭头连接符 12">
+            <a:extLst>
+              <a:ext uri="{FF2B5EF4-FFF2-40B4-BE49-F238E27FC236}">
+                <a16:creationId xmlns:a16="http://schemas.microsoft.com/office/drawing/2014/main" id="{85D967C3-D8B2-E9BD-DC66-A00FA2044288}"/>
+              </a:ext>
+            </a:extLst>
+          </p:cNvPr>
+          <p:cNvCxnSpPr>
+            <a:cxnSpLocks/>
+            <a:stCxn id="8" idx="7"/>
+            <a:endCxn id="4" idx="0"/>
+          </p:cNvCxnSpPr>
+          <p:nvPr/>
+        </p:nvCxnSpPr>
+        <p:spPr>
+          <a:xfrm flipV="1">
+            <a:off x="1223913" y="1529542"/>
+            <a:ext cx="4075451" cy="1926172"/>
+          </a:xfrm>
+          <a:prstGeom prst="straightConnector1">
+            <a:avLst/>
+          </a:prstGeom>
+          <a:ln>
+            <a:tailEnd type="triangle"/>
+          </a:ln>
+        </p:spPr>
+        <p:style>
+          <a:lnRef idx="1">
+            <a:schemeClr val="accent1"/>
+          </a:lnRef>
+          <a:fillRef idx="0">
+            <a:schemeClr val="accent1"/>
+          </a:fillRef>
+          <a:effectRef idx="0">
+            <a:schemeClr val="accent1"/>
+          </a:effectRef>
+          <a:fontRef idx="minor">
+            <a:schemeClr val="tx1"/>
+          </a:fontRef>
+        </p:style>
+      </p:cxnSp>
+      <p:cxnSp>
+        <p:nvCxnSpPr>
+          <p:cNvPr id="15" name="直接箭头连接符 14">
+            <a:extLst>
+              <a:ext uri="{FF2B5EF4-FFF2-40B4-BE49-F238E27FC236}">
+                <a16:creationId xmlns:a16="http://schemas.microsoft.com/office/drawing/2014/main" id="{2425442A-E44D-98C6-4468-EF5B3D74EDF2}"/>
+              </a:ext>
+            </a:extLst>
+          </p:cNvPr>
+          <p:cNvCxnSpPr>
+            <a:cxnSpLocks/>
+            <a:stCxn id="8" idx="6"/>
+            <a:endCxn id="4" idx="4"/>
+          </p:cNvCxnSpPr>
+          <p:nvPr/>
+        </p:nvCxnSpPr>
+        <p:spPr>
+          <a:xfrm>
+            <a:off x="1246908" y="3520209"/>
+            <a:ext cx="4052456" cy="1608744"/>
+          </a:xfrm>
+          <a:prstGeom prst="straightConnector1">
+            <a:avLst/>
+          </a:prstGeom>
+          <a:ln>
+            <a:tailEnd type="triangle"/>
+          </a:ln>
+        </p:spPr>
+        <p:style>
+          <a:lnRef idx="1">
+            <a:schemeClr val="accent1"/>
+          </a:lnRef>
+          <a:fillRef idx="0">
+            <a:schemeClr val="accent1"/>
+          </a:fillRef>
+          <a:effectRef idx="0">
+            <a:schemeClr val="accent1"/>
+          </a:effectRef>
+          <a:fontRef idx="minor">
+            <a:schemeClr val="tx1"/>
+          </a:fontRef>
+        </p:style>
+      </p:cxnSp>
+      <p:cxnSp>
+        <p:nvCxnSpPr>
+          <p:cNvPr id="18" name="直接箭头连接符 17">
+            <a:extLst>
+              <a:ext uri="{FF2B5EF4-FFF2-40B4-BE49-F238E27FC236}">
+                <a16:creationId xmlns:a16="http://schemas.microsoft.com/office/drawing/2014/main" id="{55A67981-7DD3-6D74-C92F-D6607F31039C}"/>
+              </a:ext>
+            </a:extLst>
+          </p:cNvPr>
+          <p:cNvCxnSpPr>
+            <a:cxnSpLocks/>
+            <a:stCxn id="4" idx="0"/>
+            <a:endCxn id="11" idx="1"/>
+          </p:cNvCxnSpPr>
+          <p:nvPr/>
+        </p:nvCxnSpPr>
+        <p:spPr>
+          <a:xfrm>
+            <a:off x="5299364" y="1529542"/>
+            <a:ext cx="4274032" cy="1733594"/>
+          </a:xfrm>
+          <a:prstGeom prst="straightConnector1">
+            <a:avLst/>
+          </a:prstGeom>
+          <a:ln>
+            <a:tailEnd type="triangle"/>
+          </a:ln>
+        </p:spPr>
+        <p:style>
+          <a:lnRef idx="1">
+            <a:schemeClr val="accent1"/>
+          </a:lnRef>
+          <a:fillRef idx="0">
+            <a:schemeClr val="accent1"/>
+          </a:fillRef>
+          <a:effectRef idx="0">
+            <a:schemeClr val="accent1"/>
+          </a:effectRef>
+          <a:fontRef idx="minor">
+            <a:schemeClr val="tx1"/>
+          </a:fontRef>
+        </p:style>
+      </p:cxnSp>
+      <p:cxnSp>
+        <p:nvCxnSpPr>
+          <p:cNvPr id="21" name="直接箭头连接符 20">
+            <a:extLst>
+              <a:ext uri="{FF2B5EF4-FFF2-40B4-BE49-F238E27FC236}">
+                <a16:creationId xmlns:a16="http://schemas.microsoft.com/office/drawing/2014/main" id="{FE1A31F5-2237-A5BF-19CB-D8D008EBBE3A}"/>
+              </a:ext>
+            </a:extLst>
+          </p:cNvPr>
+          <p:cNvCxnSpPr>
+            <a:cxnSpLocks/>
+            <a:stCxn id="4" idx="4"/>
+          </p:cNvCxnSpPr>
+          <p:nvPr/>
+        </p:nvCxnSpPr>
+        <p:spPr>
+          <a:xfrm flipV="1">
+            <a:off x="5299364" y="3404452"/>
+            <a:ext cx="4251037" cy="1724501"/>
+          </a:xfrm>
+          <a:prstGeom prst="straightConnector1">
+            <a:avLst/>
+          </a:prstGeom>
+          <a:ln>
+            <a:tailEnd type="triangle"/>
+          </a:ln>
+        </p:spPr>
+        <p:style>
+          <a:lnRef idx="1">
+            <a:schemeClr val="accent1"/>
+          </a:lnRef>
+          <a:fillRef idx="0">
+            <a:schemeClr val="accent1"/>
+          </a:fillRef>
+          <a:effectRef idx="0">
+            <a:schemeClr val="accent1"/>
+          </a:effectRef>
+          <a:fontRef idx="minor">
+            <a:schemeClr val="tx1"/>
+          </a:fontRef>
+        </p:style>
+      </p:cxnSp>
+      <p:sp>
+        <p:nvSpPr>
+          <p:cNvPr id="26" name="文本框 25">
+            <a:extLst>
+              <a:ext uri="{FF2B5EF4-FFF2-40B4-BE49-F238E27FC236}">
+                <a16:creationId xmlns:a16="http://schemas.microsoft.com/office/drawing/2014/main" id="{C5DA7263-E4AF-6499-0AD0-E249B373D61F}"/>
+              </a:ext>
+            </a:extLst>
+          </p:cNvPr>
+          <p:cNvSpPr txBox="1"/>
+          <p:nvPr/>
+        </p:nvSpPr>
+        <p:spPr>
+          <a:xfrm>
+            <a:off x="4962698" y="1034888"/>
+            <a:ext cx="1985818" cy="369332"/>
+          </a:xfrm>
+          <a:prstGeom prst="rect">
+            <a:avLst/>
+          </a:prstGeom>
+          <a:noFill/>
+        </p:spPr>
+        <p:txBody>
+          <a:bodyPr wrap="square" rtlCol="0">
+            <a:spAutoFit/>
+          </a:bodyPr>
+          <a:lstStyle/>
+          <a:p>
+            <a:r>
+              <a:rPr lang="zh-CN" altLang="en-US"/>
+              <a:t>透镜</a:t>
+            </a:r>
+          </a:p>
+        </p:txBody>
+      </p:sp>
+      <p:cxnSp>
+        <p:nvCxnSpPr>
+          <p:cNvPr id="28" name="直接连接符 27">
+            <a:extLst>
+              <a:ext uri="{FF2B5EF4-FFF2-40B4-BE49-F238E27FC236}">
+                <a16:creationId xmlns:a16="http://schemas.microsoft.com/office/drawing/2014/main" id="{EF10A6E0-960F-916B-3C56-87E784329D83}"/>
+              </a:ext>
+            </a:extLst>
+          </p:cNvPr>
+          <p:cNvCxnSpPr>
+            <a:stCxn id="4" idx="0"/>
+          </p:cNvCxnSpPr>
+          <p:nvPr/>
+        </p:nvCxnSpPr>
+        <p:spPr>
+          <a:xfrm flipH="1">
+            <a:off x="5299363" y="1529542"/>
+            <a:ext cx="1" cy="4769658"/>
+          </a:xfrm>
+          <a:prstGeom prst="line">
+            <a:avLst/>
+          </a:prstGeom>
+          <a:ln w="25400">
+            <a:prstDash val="sysDash"/>
+          </a:ln>
+        </p:spPr>
+        <p:style>
+          <a:lnRef idx="1">
+            <a:schemeClr val="accent1"/>
+          </a:lnRef>
+          <a:fillRef idx="0">
+            <a:schemeClr val="accent1"/>
+          </a:fillRef>
+          <a:effectRef idx="0">
+            <a:schemeClr val="accent1"/>
+          </a:effectRef>
+          <a:fontRef idx="minor">
+            <a:schemeClr val="tx1"/>
+          </a:fontRef>
+        </p:style>
+      </p:cxnSp>
+      <p:cxnSp>
+        <p:nvCxnSpPr>
+          <p:cNvPr id="30" name="直接箭头连接符 29">
+            <a:extLst>
+              <a:ext uri="{FF2B5EF4-FFF2-40B4-BE49-F238E27FC236}">
+                <a16:creationId xmlns:a16="http://schemas.microsoft.com/office/drawing/2014/main" id="{DA9C1238-87B7-E76F-87D2-7EF57E69E15E}"/>
+              </a:ext>
+            </a:extLst>
+          </p:cNvPr>
+          <p:cNvCxnSpPr/>
+          <p:nvPr/>
+        </p:nvCxnSpPr>
+        <p:spPr>
+          <a:xfrm flipH="1">
+            <a:off x="2844800" y="5514109"/>
+            <a:ext cx="1413164" cy="0"/>
+          </a:xfrm>
+          <a:prstGeom prst="straightConnector1">
+            <a:avLst/>
+          </a:prstGeom>
+          <a:ln>
+            <a:tailEnd type="triangle"/>
+          </a:ln>
+        </p:spPr>
+        <p:style>
+          <a:lnRef idx="1">
+            <a:schemeClr val="accent1"/>
+          </a:lnRef>
+          <a:fillRef idx="0">
+            <a:schemeClr val="accent1"/>
+          </a:fillRef>
+          <a:effectRef idx="0">
+            <a:schemeClr val="accent1"/>
+          </a:effectRef>
+          <a:fontRef idx="minor">
+            <a:schemeClr val="tx1"/>
+          </a:fontRef>
+        </p:style>
+      </p:cxnSp>
+      <p:sp>
+        <p:nvSpPr>
+          <p:cNvPr id="31" name="文本框 30">
+            <a:extLst>
+              <a:ext uri="{FF2B5EF4-FFF2-40B4-BE49-F238E27FC236}">
+                <a16:creationId xmlns:a16="http://schemas.microsoft.com/office/drawing/2014/main" id="{C20EC574-7A65-A9A6-CF91-BE49AA9AA636}"/>
+              </a:ext>
+            </a:extLst>
+          </p:cNvPr>
+          <p:cNvSpPr txBox="1"/>
+          <p:nvPr/>
+        </p:nvSpPr>
+        <p:spPr>
+          <a:xfrm>
+            <a:off x="3043613" y="5714600"/>
+            <a:ext cx="2087417" cy="369332"/>
+          </a:xfrm>
+          <a:prstGeom prst="rect">
+            <a:avLst/>
+          </a:prstGeom>
+          <a:noFill/>
+        </p:spPr>
+        <p:txBody>
+          <a:bodyPr wrap="square" rtlCol="0">
+            <a:spAutoFit/>
+          </a:bodyPr>
+          <a:lstStyle/>
+          <a:p>
+            <a:r>
+              <a:rPr lang="zh-CN" altLang="en-US"/>
+              <a:t>相机内部</a:t>
+            </a:r>
+          </a:p>
+        </p:txBody>
+      </p:sp>
+      <p:cxnSp>
+        <p:nvCxnSpPr>
+          <p:cNvPr id="32" name="直接箭头连接符 31">
+            <a:extLst>
+              <a:ext uri="{FF2B5EF4-FFF2-40B4-BE49-F238E27FC236}">
+                <a16:creationId xmlns:a16="http://schemas.microsoft.com/office/drawing/2014/main" id="{8BAB7472-0559-8F22-4DB0-23DD2FD0DC44}"/>
+              </a:ext>
+            </a:extLst>
+          </p:cNvPr>
+          <p:cNvCxnSpPr>
+            <a:cxnSpLocks/>
+          </p:cNvCxnSpPr>
+          <p:nvPr/>
+        </p:nvCxnSpPr>
+        <p:spPr>
+          <a:xfrm>
+            <a:off x="6759816" y="5514109"/>
+            <a:ext cx="1353127" cy="0"/>
+          </a:xfrm>
+          <a:prstGeom prst="straightConnector1">
+            <a:avLst/>
+          </a:prstGeom>
+          <a:ln>
+            <a:tailEnd type="triangle"/>
+          </a:ln>
+        </p:spPr>
+        <p:style>
+          <a:lnRef idx="1">
+            <a:schemeClr val="accent1"/>
+          </a:lnRef>
+          <a:fillRef idx="0">
+            <a:schemeClr val="accent1"/>
+          </a:fillRef>
+          <a:effectRef idx="0">
+            <a:schemeClr val="accent1"/>
+          </a:effectRef>
+          <a:fontRef idx="minor">
+            <a:schemeClr val="tx1"/>
+          </a:fontRef>
+        </p:style>
+      </p:cxnSp>
+      <p:sp>
+        <p:nvSpPr>
+          <p:cNvPr id="35" name="文本框 34">
+            <a:extLst>
+              <a:ext uri="{FF2B5EF4-FFF2-40B4-BE49-F238E27FC236}">
+                <a16:creationId xmlns:a16="http://schemas.microsoft.com/office/drawing/2014/main" id="{2BC69A69-789C-BB17-2985-1D70DC13D6AD}"/>
+              </a:ext>
+            </a:extLst>
+          </p:cNvPr>
+          <p:cNvSpPr txBox="1"/>
+          <p:nvPr/>
+        </p:nvSpPr>
+        <p:spPr>
+          <a:xfrm>
+            <a:off x="6774875" y="5730302"/>
+            <a:ext cx="2087417" cy="369332"/>
+          </a:xfrm>
+          <a:prstGeom prst="rect">
+            <a:avLst/>
+          </a:prstGeom>
+          <a:noFill/>
+        </p:spPr>
+        <p:txBody>
+          <a:bodyPr wrap="square" rtlCol="0">
+            <a:spAutoFit/>
+          </a:bodyPr>
+          <a:lstStyle/>
+          <a:p>
+            <a:r>
+              <a:rPr lang="zh-CN" altLang="en-US"/>
+              <a:t>相机外部</a:t>
+            </a:r>
+          </a:p>
+        </p:txBody>
+      </p:sp>
+    </p:spTree>
+    <p:extLst>
+      <p:ext uri="{BB962C8B-B14F-4D97-AF65-F5344CB8AC3E}">
+        <p14:creationId xmlns:p14="http://schemas.microsoft.com/office/powerpoint/2010/main" val="1586241678"/>
+      </p:ext>
+    </p:extLst>
+  </p:cSld>
+  <p:clrMapOvr>
+    <a:masterClrMapping/>
+  </p:clrMapOvr>
+</p:sld>
+</file>
+
+<file path=ppt/slides/slide3.xml><?xml version="1.0" encoding="utf-8"?>
+<p:sld xmlns:a="http://schemas.openxmlformats.org/drawingml/2006/main" xmlns:r="http://schemas.openxmlformats.org/officeDocument/2006/relationships" xmlns:p="http://schemas.openxmlformats.org/presentationml/2006/main">
+  <p:cSld>
+    <p:spTree>
+      <p:nvGrpSpPr>
+        <p:cNvPr id="1" name=""/>
+        <p:cNvGrpSpPr/>
+        <p:nvPr/>
+      </p:nvGrpSpPr>
+      <p:grpSpPr>
+        <a:xfrm>
+          <a:off x="0" y="0"/>
+          <a:ext cx="0" cy="0"/>
+          <a:chOff x="0" y="0"/>
+          <a:chExt cx="0" cy="0"/>
+        </a:xfrm>
+      </p:grpSpPr>
+      <p:pic>
+        <p:nvPicPr>
+          <p:cNvPr id="5" name="图片 4">
+            <a:extLst>
+              <a:ext uri="{FF2B5EF4-FFF2-40B4-BE49-F238E27FC236}">
+                <a16:creationId xmlns:a16="http://schemas.microsoft.com/office/drawing/2014/main" id="{D21B8DC3-7678-83E1-628C-B44322359CB1}"/>
+              </a:ext>
+            </a:extLst>
+          </p:cNvPr>
+          <p:cNvPicPr>
+            <a:picLocks noChangeAspect="1"/>
+          </p:cNvPicPr>
+          <p:nvPr/>
+        </p:nvPicPr>
+        <p:blipFill>
+          <a:blip r:embed="rId2"/>
+          <a:stretch>
+            <a:fillRect/>
+          </a:stretch>
+        </p:blipFill>
+        <p:spPr>
+          <a:xfrm>
+            <a:off x="204787" y="842962"/>
+            <a:ext cx="11782425" cy="5172075"/>
+          </a:xfrm>
+          <a:prstGeom prst="rect">
+            <a:avLst/>
+          </a:prstGeom>
+        </p:spPr>
+      </p:pic>
+      <p:sp>
+        <p:nvSpPr>
+          <p:cNvPr id="6" name="椭圆 5">
+            <a:extLst>
+              <a:ext uri="{FF2B5EF4-FFF2-40B4-BE49-F238E27FC236}">
+                <a16:creationId xmlns:a16="http://schemas.microsoft.com/office/drawing/2014/main" id="{5B2B89D9-073C-9371-D932-32197A288C3D}"/>
+              </a:ext>
+            </a:extLst>
+          </p:cNvPr>
+          <p:cNvSpPr/>
+          <p:nvPr/>
+        </p:nvSpPr>
+        <p:spPr>
+          <a:xfrm>
+            <a:off x="2706255" y="1366982"/>
+            <a:ext cx="1754909" cy="4581236"/>
+          </a:xfrm>
+          <a:prstGeom prst="ellipse">
+            <a:avLst/>
+          </a:prstGeom>
+          <a:solidFill>
+            <a:schemeClr val="accent1">
+              <a:alpha val="45000"/>
+            </a:schemeClr>
+          </a:solidFill>
+          <a:ln>
+            <a:solidFill>
+              <a:schemeClr val="accent1">
+                <a:shade val="15000"/>
+              </a:schemeClr>
+            </a:solidFill>
+          </a:ln>
+        </p:spPr>
+        <p:style>
+          <a:lnRef idx="2">
+            <a:schemeClr val="accent1">
+              <a:shade val="15000"/>
+            </a:schemeClr>
+          </a:lnRef>
+          <a:fillRef idx="1">
+            <a:schemeClr val="accent1"/>
+          </a:fillRef>
+          <a:effectRef idx="0">
+            <a:schemeClr val="accent1"/>
+          </a:effectRef>
+          <a:fontRef idx="minor">
+            <a:schemeClr val="lt1"/>
+          </a:fontRef>
+        </p:style>
+        <p:txBody>
+          <a:bodyPr rtlCol="0" anchor="ctr"/>
+          <a:lstStyle/>
+          <a:p>
+            <a:pPr algn="ctr"/>
+            <a:endParaRPr lang="zh-CN" altLang="en-US"/>
+          </a:p>
+        </p:txBody>
+      </p:sp>
+    </p:spTree>
+    <p:extLst>
+      <p:ext uri="{BB962C8B-B14F-4D97-AF65-F5344CB8AC3E}">
+        <p14:creationId xmlns:p14="http://schemas.microsoft.com/office/powerpoint/2010/main" val="385899502"/>
+      </p:ext>
+    </p:extLst>
+  </p:cSld>
+  <p:clrMapOvr>
+    <a:masterClrMapping/>
+  </p:clrMapOvr>
+</p:sld>
+</file>
+
 <file path=ppt/theme/theme1.xml><?xml version="1.0" encoding="utf-8"?>
 <a:theme xmlns:a="http://schemas.openxmlformats.org/drawingml/2006/main" name="Office 主题​​">
   <a:themeElements>
